--- a/materials/ch04/ch04_2-罗盘.pptx
+++ b/materials/ch04/ch04_2-罗盘.pptx
@@ -11,6 +11,7 @@
     <p:sldId id="259" r:id="rId5"/>
     <p:sldId id="266" r:id="rId6"/>
     <p:sldId id="260" r:id="rId7"/>
+    <p:sldId id="267" r:id="rId8"/>
   </p:sldIdLst>
   <p:sldSz cx="12192000" cy="6858000"/>
   <p:notesSz cx="6858000" cy="9144000"/>
@@ -120,6 +121,7 @@
             <p14:sldId id="259"/>
             <p14:sldId id="266"/>
             <p14:sldId id="260"/>
+            <p14:sldId id="267"/>
           </p14:sldIdLst>
         </p14:section>
         <p14:section name="无标题节" id="{70FD2762-EEE5-4F2A-ADA9-74F2D228DBDA}">
@@ -281,7 +283,7 @@
           <a:p>
             <a:fld id="{BBF6169D-416D-4C06-B08B-5CE62A641987}" type="datetimeFigureOut">
               <a:rPr lang="zh-CN" altLang="en-US" smtClean="0"/>
-              <a:t>2019/8/31</a:t>
+              <a:t>2019/9/9</a:t>
             </a:fld>
             <a:endParaRPr lang="zh-CN" altLang="en-US"/>
           </a:p>
@@ -479,7 +481,7 @@
           <a:p>
             <a:fld id="{BBF6169D-416D-4C06-B08B-5CE62A641987}" type="datetimeFigureOut">
               <a:rPr lang="zh-CN" altLang="en-US" smtClean="0"/>
-              <a:t>2019/8/31</a:t>
+              <a:t>2019/9/9</a:t>
             </a:fld>
             <a:endParaRPr lang="zh-CN" altLang="en-US"/>
           </a:p>
@@ -687,7 +689,7 @@
           <a:p>
             <a:fld id="{BBF6169D-416D-4C06-B08B-5CE62A641987}" type="datetimeFigureOut">
               <a:rPr lang="zh-CN" altLang="en-US" smtClean="0"/>
-              <a:t>2019/8/31</a:t>
+              <a:t>2019/9/9</a:t>
             </a:fld>
             <a:endParaRPr lang="zh-CN" altLang="en-US"/>
           </a:p>
@@ -885,7 +887,7 @@
           <a:p>
             <a:fld id="{BBF6169D-416D-4C06-B08B-5CE62A641987}" type="datetimeFigureOut">
               <a:rPr lang="zh-CN" altLang="en-US" smtClean="0"/>
-              <a:t>2019/8/31</a:t>
+              <a:t>2019/9/9</a:t>
             </a:fld>
             <a:endParaRPr lang="zh-CN" altLang="en-US"/>
           </a:p>
@@ -1160,7 +1162,7 @@
           <a:p>
             <a:fld id="{BBF6169D-416D-4C06-B08B-5CE62A641987}" type="datetimeFigureOut">
               <a:rPr lang="zh-CN" altLang="en-US" smtClean="0"/>
-              <a:t>2019/8/31</a:t>
+              <a:t>2019/9/9</a:t>
             </a:fld>
             <a:endParaRPr lang="zh-CN" altLang="en-US"/>
           </a:p>
@@ -1425,7 +1427,7 @@
           <a:p>
             <a:fld id="{BBF6169D-416D-4C06-B08B-5CE62A641987}" type="datetimeFigureOut">
               <a:rPr lang="zh-CN" altLang="en-US" smtClean="0"/>
-              <a:t>2019/8/31</a:t>
+              <a:t>2019/9/9</a:t>
             </a:fld>
             <a:endParaRPr lang="zh-CN" altLang="en-US"/>
           </a:p>
@@ -1837,7 +1839,7 @@
           <a:p>
             <a:fld id="{BBF6169D-416D-4C06-B08B-5CE62A641987}" type="datetimeFigureOut">
               <a:rPr lang="zh-CN" altLang="en-US" smtClean="0"/>
-              <a:t>2019/8/31</a:t>
+              <a:t>2019/9/9</a:t>
             </a:fld>
             <a:endParaRPr lang="zh-CN" altLang="en-US"/>
           </a:p>
@@ -1978,7 +1980,7 @@
           <a:p>
             <a:fld id="{BBF6169D-416D-4C06-B08B-5CE62A641987}" type="datetimeFigureOut">
               <a:rPr lang="zh-CN" altLang="en-US" smtClean="0"/>
-              <a:t>2019/8/31</a:t>
+              <a:t>2019/9/9</a:t>
             </a:fld>
             <a:endParaRPr lang="zh-CN" altLang="en-US"/>
           </a:p>
@@ -2091,7 +2093,7 @@
           <a:p>
             <a:fld id="{BBF6169D-416D-4C06-B08B-5CE62A641987}" type="datetimeFigureOut">
               <a:rPr lang="zh-CN" altLang="en-US" smtClean="0"/>
-              <a:t>2019/8/31</a:t>
+              <a:t>2019/9/9</a:t>
             </a:fld>
             <a:endParaRPr lang="zh-CN" altLang="en-US"/>
           </a:p>
@@ -2402,7 +2404,7 @@
           <a:p>
             <a:fld id="{BBF6169D-416D-4C06-B08B-5CE62A641987}" type="datetimeFigureOut">
               <a:rPr lang="zh-CN" altLang="en-US" smtClean="0"/>
-              <a:t>2019/8/31</a:t>
+              <a:t>2019/9/9</a:t>
             </a:fld>
             <a:endParaRPr lang="zh-CN" altLang="en-US"/>
           </a:p>
@@ -2690,7 +2692,7 @@
           <a:p>
             <a:fld id="{BBF6169D-416D-4C06-B08B-5CE62A641987}" type="datetimeFigureOut">
               <a:rPr lang="zh-CN" altLang="en-US" smtClean="0"/>
-              <a:t>2019/8/31</a:t>
+              <a:t>2019/9/9</a:t>
             </a:fld>
             <a:endParaRPr lang="zh-CN" altLang="en-US"/>
           </a:p>
@@ -2931,7 +2933,7 @@
           <a:p>
             <a:fld id="{BBF6169D-416D-4C06-B08B-5CE62A641987}" type="datetimeFigureOut">
               <a:rPr lang="zh-CN" altLang="en-US" smtClean="0"/>
-              <a:t>2019/8/31</a:t>
+              <a:t>2019/9/9</a:t>
             </a:fld>
             <a:endParaRPr lang="zh-CN" altLang="en-US"/>
           </a:p>
@@ -3529,7 +3531,7 @@
             </a:pPr>
             <a:r>
               <a:rPr lang="zh-CN" altLang="en-US" dirty="0"/>
-              <a:t>罗盘最重要的作用就是确定方向，基于此可实现指南针，目前的智能手机基本上都具备电子罗盘的硬件模块。</a:t>
+              <a:t>罗盘最重要的作用就是确定方向，基于此可实现指北针，目前的智能手机基本上都具备电子罗盘的硬件模块。</a:t>
             </a:r>
             <a:endParaRPr lang="en-US" altLang="zh-CN" dirty="0"/>
           </a:p>
@@ -4147,12 +4149,180 @@
             </a:r>
             <a:endParaRPr lang="en-US" altLang="zh-CN" dirty="0"/>
           </a:p>
+          <a:p>
+            <a:pPr>
+              <a:lnSpc>
+                <a:spcPct val="100000"/>
+              </a:lnSpc>
+            </a:pPr>
+            <a:r>
+              <a:rPr lang="en-US" altLang="zh-CN" dirty="0"/>
+              <a:t>0</a:t>
+            </a:r>
+            <a:r>
+              <a:rPr lang="zh-CN" altLang="en-US" dirty="0"/>
+              <a:t>表示指向北，但是和实际方向的北并不相同，有地磁偏角。所以在实际开发指北针这类工具时要计算此偏角的影响。</a:t>
+            </a:r>
+            <a:endParaRPr lang="en-US" altLang="zh-CN" dirty="0"/>
+          </a:p>
+          <a:p>
+            <a:pPr>
+              <a:lnSpc>
+                <a:spcPct val="100000"/>
+              </a:lnSpc>
+            </a:pPr>
+            <a:r>
+              <a:rPr lang="zh-CN" altLang="en-US" dirty="0"/>
+              <a:t>在我们国家，大部分地区都在</a:t>
+            </a:r>
+            <a:r>
+              <a:rPr lang="en-US" altLang="zh-CN" dirty="0"/>
+              <a:t>2 ° ~ 3°</a:t>
+            </a:r>
+            <a:r>
+              <a:rPr lang="zh-CN" altLang="en-US" dirty="0"/>
+              <a:t>的差距，要减去这个差距。也就是说获取罗盘的数字大概为</a:t>
+            </a:r>
+            <a:r>
+              <a:rPr lang="en-US" altLang="zh-CN" dirty="0"/>
+              <a:t>3</a:t>
+            </a:r>
+            <a:r>
+              <a:rPr lang="zh-CN" altLang="en-US" dirty="0"/>
+              <a:t>时，才是地理方向上的北。</a:t>
+            </a:r>
+            <a:endParaRPr lang="en-US" altLang="zh-CN" dirty="0"/>
+          </a:p>
         </p:txBody>
       </p:sp>
     </p:spTree>
     <p:extLst>
       <p:ext uri="{BB962C8B-B14F-4D97-AF65-F5344CB8AC3E}">
         <p14:creationId xmlns:p14="http://schemas.microsoft.com/office/powerpoint/2010/main" val="847985245"/>
+      </p:ext>
+    </p:extLst>
+  </p:cSld>
+  <p:clrMapOvr>
+    <a:masterClrMapping/>
+  </p:clrMapOvr>
+</p:sld>
+</file>
+
+<file path=ppt/slides/slide7.xml><?xml version="1.0" encoding="utf-8"?>
+<p:sld xmlns:a="http://schemas.openxmlformats.org/drawingml/2006/main" xmlns:r="http://schemas.openxmlformats.org/officeDocument/2006/relationships" xmlns:p="http://schemas.openxmlformats.org/presentationml/2006/main">
+  <p:cSld>
+    <p:spTree>
+      <p:nvGrpSpPr>
+        <p:cNvPr id="1" name=""/>
+        <p:cNvGrpSpPr/>
+        <p:nvPr/>
+      </p:nvGrpSpPr>
+      <p:grpSpPr>
+        <a:xfrm>
+          <a:off x="0" y="0"/>
+          <a:ext cx="0" cy="0"/>
+          <a:chOff x="0" y="0"/>
+          <a:chExt cx="0" cy="0"/>
+        </a:xfrm>
+      </p:grpSpPr>
+      <p:sp>
+        <p:nvSpPr>
+          <p:cNvPr id="2" name="标题 1">
+            <a:extLst>
+              <a:ext uri="{FF2B5EF4-FFF2-40B4-BE49-F238E27FC236}">
+                <a16:creationId xmlns:a16="http://schemas.microsoft.com/office/drawing/2014/main" id="{73B7186B-8FE2-4784-A646-E9090EA180E0}"/>
+              </a:ext>
+            </a:extLst>
+          </p:cNvPr>
+          <p:cNvSpPr>
+            <a:spLocks noGrp="1"/>
+          </p:cNvSpPr>
+          <p:nvPr>
+            <p:ph type="title"/>
+          </p:nvPr>
+        </p:nvSpPr>
+        <p:spPr/>
+        <p:txBody>
+          <a:bodyPr/>
+          <a:lstStyle/>
+          <a:p>
+            <a:r>
+              <a:rPr lang="zh-CN" altLang="en-US" dirty="0"/>
+              <a:t>练习：完善罗盘功能</a:t>
+            </a:r>
+          </a:p>
+        </p:txBody>
+      </p:sp>
+      <p:sp>
+        <p:nvSpPr>
+          <p:cNvPr id="3" name="内容占位符 2">
+            <a:extLst>
+              <a:ext uri="{FF2B5EF4-FFF2-40B4-BE49-F238E27FC236}">
+                <a16:creationId xmlns:a16="http://schemas.microsoft.com/office/drawing/2014/main" id="{94B1A208-FE3C-4AFA-8414-29FF58306A2D}"/>
+              </a:ext>
+            </a:extLst>
+          </p:cNvPr>
+          <p:cNvSpPr>
+            <a:spLocks noGrp="1"/>
+          </p:cNvSpPr>
+          <p:nvPr>
+            <p:ph idx="1"/>
+          </p:nvPr>
+        </p:nvSpPr>
+        <p:spPr/>
+        <p:txBody>
+          <a:bodyPr/>
+          <a:lstStyle/>
+          <a:p>
+            <a:r>
+              <a:rPr lang="zh-CN" altLang="en-US" dirty="0"/>
+              <a:t>根据获取的罗盘角度，计算出方位，并显示在屏幕上。</a:t>
+            </a:r>
+            <a:endParaRPr lang="en-US" altLang="zh-CN" dirty="0"/>
+          </a:p>
+          <a:p>
+            <a:r>
+              <a:rPr lang="zh-CN" altLang="en-US" dirty="0"/>
+              <a:t>提示：可以计算每个方位的角度，通过实际的角度和方位的角度对比计算出所属方向范围，并给出偏差值。</a:t>
+            </a:r>
+            <a:endParaRPr lang="en-US" altLang="zh-CN" dirty="0"/>
+          </a:p>
+          <a:p>
+            <a:r>
+              <a:rPr lang="zh-CN" altLang="en-US" dirty="0"/>
+              <a:t>比如，按照地磁偏角</a:t>
+            </a:r>
+            <a:r>
+              <a:rPr lang="en-US" altLang="zh-CN" dirty="0"/>
+              <a:t>-3</a:t>
+            </a:r>
+            <a:r>
+              <a:rPr lang="zh-CN" altLang="en-US" dirty="0"/>
+              <a:t>计算，获取罗盘数值为</a:t>
+            </a:r>
+            <a:r>
+              <a:rPr lang="en-US" altLang="zh-CN" dirty="0"/>
+              <a:t>10</a:t>
+            </a:r>
+            <a:r>
+              <a:rPr lang="zh-CN" altLang="en-US" dirty="0"/>
+              <a:t>，则表示北偏东</a:t>
+            </a:r>
+            <a:r>
+              <a:rPr lang="en-US" altLang="zh-CN" dirty="0"/>
+              <a:t>7</a:t>
+            </a:r>
+            <a:r>
+              <a:rPr lang="zh-CN" altLang="en-US" dirty="0"/>
+              <a:t>度。</a:t>
+            </a:r>
+          </a:p>
+        </p:txBody>
+      </p:sp>
+    </p:spTree>
+    <p:extLst>
+      <p:ext uri="{BB962C8B-B14F-4D97-AF65-F5344CB8AC3E}">
+        <p14:creationId xmlns:p14="http://schemas.microsoft.com/office/powerpoint/2010/main" val="3181330662"/>
       </p:ext>
     </p:extLst>
   </p:cSld>
